--- a/research_projects/mini_project_bashar_utkarsh.pptx
+++ b/research_projects/mini_project_bashar_utkarsh.pptx
@@ -11918,34 +11918,34 @@
               <a:buNone/>
             </a:pPr>
             <a:r>
-              <a:rPr lang="en-US" sz="2000" b="1"/>
+              <a:rPr lang="en-US" sz="2000" b="1" dirty="0"/>
+              <a:t>Machine Translation for Low-Resource Languages</a:t>
+            </a:r>
+            <a:br>
+              <a:rPr lang="en-US" sz="2000" b="1" dirty="0"/>
+            </a:br>
+            <a:r>
+              <a:rPr lang="en-US" sz="2000" i="1" dirty="0"/>
+              <a:t>based on:</a:t>
+            </a:r>
+            <a:br>
+              <a:rPr lang="en-US" sz="2000" i="1" dirty="0"/>
+            </a:br>
+            <a:r>
+              <a:rPr lang="en-US" sz="2000" i="1" dirty="0"/>
+              <a:t>Morphological Analysis and Disambiguation for Dialectal Arabic</a:t>
+            </a:r>
+            <a:br>
+              <a:rPr lang="en-US" sz="2000" i="1" dirty="0"/>
+            </a:br>
+            <a:r>
+              <a:rPr lang="en-US" sz="2000" i="1" dirty="0"/>
               <a:t>Machine Translation for Arabic Dialects</a:t>
             </a:r>
             <a:br>
-              <a:rPr lang="en-US" sz="2000" b="1"/>
+              <a:rPr lang="en-US" sz="2000" dirty="0"/>
             </a:br>
-            <a:r>
-              <a:rPr lang="en-US" sz="2000" i="1"/>
-              <a:t>based on:</a:t>
-            </a:r>
-            <a:br>
-              <a:rPr lang="en-US" sz="2000" i="1"/>
-            </a:br>
-            <a:r>
-              <a:rPr lang="en-US" sz="2000" i="1"/>
-              <a:t>Morphological Analysis and Disambiguation for Dialectal Arabic</a:t>
-            </a:r>
-            <a:br>
-              <a:rPr lang="en-US" sz="2000" i="1"/>
-            </a:br>
-            <a:r>
-              <a:rPr lang="en-US" sz="2000" i="1"/>
-              <a:t>Machine Translation for Arabic Dialects</a:t>
-            </a:r>
-            <a:br>
-              <a:rPr lang="en-US" sz="2000"/>
-            </a:br>
-            <a:endParaRPr sz="2000"/>
+            <a:endParaRPr sz="2000" dirty="0"/>
           </a:p>
         </p:txBody>
       </p:sp>
@@ -12449,7 +12449,7 @@
           <a:p>
             <a:r>
               <a:rPr lang="en-US" dirty="0"/>
-              <a:t>So what are the MT attempts for low-resources languages, especially Arabic Dialects? </a:t>
+              <a:t>So what are the MT attempts for low-resource languages, especially Arabic Dialects? </a:t>
             </a:r>
           </a:p>
         </p:txBody>
@@ -12693,7 +12693,7 @@
             </a:pPr>
             <a:r>
               <a:rPr lang="en-US" dirty="0"/>
-              <a:t>No Orthographies or language academics for Dialects</a:t>
+              <a:t>No orthographies or language academics for Dialects</a:t>
             </a:r>
             <a:br>
               <a:rPr lang="en-US" dirty="0"/>
@@ -13192,7 +13192,7 @@
         </p:nvSpPr>
         <p:spPr>
           <a:xfrm>
-            <a:off x="838200" y="1825625"/>
+            <a:off x="838200" y="1690688"/>
             <a:ext cx="10515600" cy="4351338"/>
           </a:xfrm>
           <a:prstGeom prst="rect">
@@ -13251,29 +13251,16 @@
             <a:endParaRPr dirty="0"/>
           </a:p>
           <a:p>
-            <a:pPr marL="228600" lvl="0" indent="-228600" algn="l" rtl="0">
-              <a:lnSpc>
-                <a:spcPct val="90000"/>
-              </a:lnSpc>
-              <a:spcBef>
-                <a:spcPts val="1000"/>
-              </a:spcBef>
-              <a:spcAft>
-                <a:spcPts val="0"/>
-              </a:spcAft>
-              <a:buClr>
-                <a:schemeClr val="dk1"/>
-              </a:buClr>
+            <a:pPr marL="228600" lvl="0" indent="-228600">
               <a:buSzPts val="2800"/>
-              <a:buChar char="•"/>
             </a:pPr>
             <a:r>
               <a:rPr lang="en-US" dirty="0"/>
-              <a:t>Not your typical RNN!</a:t>
+              <a:t>5.6 BLEU improvement over typical NMT!</a:t>
             </a:r>
           </a:p>
           <a:p>
-            <a:pPr marL="228600" lvl="0" indent="-228600" algn="l" rtl="0">
+            <a:pPr marL="0" lvl="0" indent="0" algn="l" rtl="0">
               <a:lnSpc>
                 <a:spcPct val="90000"/>
               </a:lnSpc>
@@ -13287,7 +13274,7 @@
                 <a:schemeClr val="dk1"/>
               </a:buClr>
               <a:buSzPts val="2800"/>
-              <a:buChar char="•"/>
+              <a:buNone/>
             </a:pPr>
             <a:endParaRPr lang="en-US" dirty="0"/>
           </a:p>
